--- a/Gitlab_CI_CD.pptx
+++ b/Gitlab_CI_CD.pptx
@@ -776,7 +776,7 @@
           <a:p>
             <a:fld id="{16D4F328-712E-4A0B-8F76-FAB6F8D36244}" type="datetimeFigureOut">
               <a:rPr lang="fr-FR" smtClean="0"/>
-              <a:t>21/12/2023</a:t>
+              <a:t>05/06/2024</a:t>
             </a:fld>
             <a:endParaRPr lang="fr-FR"/>
           </a:p>
@@ -1093,7 +1093,7 @@
           <a:p>
             <a:fld id="{963FD0B6-1A99-4BD0-9FFA-95338709699F}" type="datetimeFigureOut">
               <a:rPr lang="fr-FR" smtClean="0"/>
-              <a:t>21/12/2023</a:t>
+              <a:t>05/06/2024</a:t>
             </a:fld>
             <a:endParaRPr lang="fr-FR"/>
           </a:p>
@@ -4448,7 +4448,7 @@
           <a:p>
             <a:fld id="{0AADA75E-AD08-4896-A8CD-6E7D670FD89E}" type="datetime1">
               <a:rPr lang="fr-FR" smtClean="0"/>
-              <a:t>21/12/2023</a:t>
+              <a:t>05/06/2024</a:t>
             </a:fld>
             <a:endParaRPr lang="fr-FR" dirty="0"/>
           </a:p>
@@ -6808,7 +6808,7 @@
           <a:p>
             <a:fld id="{2155A8B9-6177-4924-8A63-B15B41E6657F}" type="datetime1">
               <a:rPr lang="fr-FR" smtClean="0"/>
-              <a:t>21/12/2023</a:t>
+              <a:t>05/06/2024</a:t>
             </a:fld>
             <a:endParaRPr lang="fr-FR" dirty="0"/>
           </a:p>
@@ -8794,7 +8794,7 @@
           <a:p>
             <a:fld id="{8D8C6D17-5365-49C4-9327-DBA6685BC1F7}" type="datetime1">
               <a:rPr lang="fr-FR" smtClean="0"/>
-              <a:t>21/12/2023</a:t>
+              <a:t>05/06/2024</a:t>
             </a:fld>
             <a:endParaRPr lang="fr-FR"/>
           </a:p>
@@ -9141,7 +9141,7 @@
           <a:p>
             <a:fld id="{A22E8249-B99B-4B6C-BB6B-D25625388F89}" type="datetime1">
               <a:rPr lang="fr-FR" smtClean="0"/>
-              <a:t>21/12/2023</a:t>
+              <a:t>05/06/2024</a:t>
             </a:fld>
             <a:endParaRPr lang="fr-FR"/>
           </a:p>
@@ -10255,7 +10255,7 @@
           <a:p>
             <a:fld id="{A08E7B46-9279-4F09-84FE-DE39E3E605DB}" type="datetime1">
               <a:rPr lang="fr-FR" smtClean="0"/>
-              <a:t>21/12/2023</a:t>
+              <a:t>05/06/2024</a:t>
             </a:fld>
             <a:endParaRPr lang="fr-FR" dirty="0"/>
           </a:p>
@@ -13726,23 +13726,12 @@
             </a:r>
           </a:p>
           <a:p>
-            <a:pPr marL="342900" marR="0" lvl="0" indent="-342900" algn="l" defTabSz="914400" rtl="0" eaLnBrk="1" fontAlgn="auto" latinLnBrk="0" hangingPunct="1">
-              <a:lnSpc>
-                <a:spcPct val="100000"/>
-              </a:lnSpc>
-              <a:spcBef>
-                <a:spcPts val="0"/>
-              </a:spcBef>
-              <a:spcAft>
-                <a:spcPts val="0"/>
-              </a:spcAft>
+            <a:pPr marL="342900" indent="-342900">
               <a:buClr>
                 <a:srgbClr val="C00000"/>
               </a:buClr>
-              <a:buSzTx/>
               <a:buFont typeface="Wingdings" panose="05000000000000000000" pitchFamily="2" charset="2"/>
               <a:buChar char="§"/>
-              <a:tabLst/>
               <a:defRPr/>
             </a:pPr>
             <a:r>
@@ -13763,21 +13752,17 @@
               <a:t>Aujourd’hui en </a:t>
             </a:r>
             <a:r>
-              <a:rPr kumimoji="0" lang="fr-FR" sz="2400" b="0" i="0" u="none" strike="noStrike" kern="1200" cap="none" spc="0" normalizeH="0" baseline="0" noProof="0" dirty="0">
-                <a:ln>
-                  <a:noFill/>
-                </a:ln>
+              <a:rPr lang="fr-FR" sz="2400" b="1" i="0">
                 <a:solidFill>
-                  <a:srgbClr val="FF0000"/>
+                  <a:srgbClr val="333238"/>
                 </a:solidFill>
                 <a:effectLst/>
-                <a:uLnTx/>
-                <a:uFillTx/>
-                <a:latin typeface="Calibri" panose="020F0502020204030204"/>
-                <a:ea typeface="+mn-ea"/>
-                <a:cs typeface="+mn-cs"/>
+                <a:highlight>
+                  <a:srgbClr val="FFFFFF"/>
+                </a:highlight>
+                <a:latin typeface="GitLab Sans"/>
               </a:rPr>
-              <a:t>16.4</a:t>
+              <a:t>17.1</a:t>
             </a:r>
           </a:p>
         </p:txBody>
